--- a/Week14/OOPextraCredit.pptx
+++ b/Week14/OOPextraCredit.pptx
@@ -5,17 +5,16 @@
     <p:sldMasterId id="2147483774" r:id="rId4"/>
   </p:sldMasterIdLst>
   <p:notesMasterIdLst>
-    <p:notesMasterId r:id="rId13"/>
+    <p:notesMasterId r:id="rId12"/>
   </p:notesMasterIdLst>
   <p:sldIdLst>
-    <p:sldId id="256" r:id="rId5"/>
-    <p:sldId id="258" r:id="rId6"/>
-    <p:sldId id="259" r:id="rId7"/>
-    <p:sldId id="257" r:id="rId8"/>
-    <p:sldId id="260" r:id="rId9"/>
+    <p:sldId id="258" r:id="rId5"/>
+    <p:sldId id="259" r:id="rId6"/>
+    <p:sldId id="260" r:id="rId7"/>
+    <p:sldId id="263" r:id="rId8"/>
+    <p:sldId id="257" r:id="rId9"/>
     <p:sldId id="261" r:id="rId10"/>
     <p:sldId id="262" r:id="rId11"/>
-    <p:sldId id="263" r:id="rId12"/>
   </p:sldIdLst>
   <p:sldSz cx="12192000" cy="6858000"/>
   <p:notesSz cx="6858000" cy="9144000"/>
@@ -755,90 +754,6 @@
 </p:notesMaster>
 </file>
 
-<file path=ppt/notesSlides/notesSlide1.xml><?xml version="1.0" encoding="utf-8"?>
-<p:notes xmlns:a="http://schemas.openxmlformats.org/drawingml/2006/main" xmlns:r="http://schemas.openxmlformats.org/officeDocument/2006/relationships" xmlns:p="http://schemas.openxmlformats.org/presentationml/2006/main">
-  <p:cSld>
-    <p:spTree>
-      <p:nvGrpSpPr>
-        <p:cNvPr id="1" name=""/>
-        <p:cNvGrpSpPr/>
-        <p:nvPr/>
-      </p:nvGrpSpPr>
-      <p:grpSpPr>
-        <a:xfrm>
-          <a:off x="0" y="0"/>
-          <a:ext cx="0" cy="0"/>
-          <a:chOff x="0" y="0"/>
-          <a:chExt cx="0" cy="0"/>
-        </a:xfrm>
-      </p:grpSpPr>
-      <p:sp>
-        <p:nvSpPr>
-          <p:cNvPr id="2" name="Slide Image Placeholder 1"/>
-          <p:cNvSpPr>
-            <a:spLocks noGrp="1" noRot="1" noChangeAspect="1"/>
-          </p:cNvSpPr>
-          <p:nvPr>
-            <p:ph type="sldImg"/>
-          </p:nvPr>
-        </p:nvSpPr>
-        <p:spPr/>
-      </p:sp>
-      <p:sp>
-        <p:nvSpPr>
-          <p:cNvPr id="3" name="Notes Placeholder 2"/>
-          <p:cNvSpPr>
-            <a:spLocks noGrp="1"/>
-          </p:cNvSpPr>
-          <p:nvPr>
-            <p:ph type="body" idx="1"/>
-          </p:nvPr>
-        </p:nvSpPr>
-        <p:spPr/>
-        <p:txBody>
-          <a:bodyPr/>
-          <a:lstStyle/>
-          <a:p>
-            <a:endParaRPr lang="en-US" dirty="0"/>
-          </a:p>
-        </p:txBody>
-      </p:sp>
-      <p:sp>
-        <p:nvSpPr>
-          <p:cNvPr id="4" name="Slide Number Placeholder 3"/>
-          <p:cNvSpPr>
-            <a:spLocks noGrp="1"/>
-          </p:cNvSpPr>
-          <p:nvPr>
-            <p:ph type="sldNum" sz="quarter" idx="5"/>
-          </p:nvPr>
-        </p:nvSpPr>
-        <p:spPr/>
-        <p:txBody>
-          <a:bodyPr/>
-          <a:lstStyle/>
-          <a:p>
-            <a:fld id="{CEC9DCAB-D609-4BC6-B4A7-B81D93E8ECAB}" type="slidenum">
-              <a:rPr lang="en-US" smtClean="0"/>
-              <a:t>1</a:t>
-            </a:fld>
-            <a:endParaRPr lang="en-US"/>
-          </a:p>
-        </p:txBody>
-      </p:sp>
-    </p:spTree>
-    <p:extLst>
-      <p:ext uri="{BB962C8B-B14F-4D97-AF65-F5344CB8AC3E}">
-        <p14:creationId xmlns:p14="http://schemas.microsoft.com/office/powerpoint/2010/main" val="3611406829"/>
-      </p:ext>
-    </p:extLst>
-  </p:cSld>
-  <p:clrMapOvr>
-    <a:masterClrMapping/>
-  </p:clrMapOvr>
-</p:notes>
-</file>
-
 <file path=ppt/slideLayouts/slideLayout1.xml><?xml version="1.0" encoding="utf-8"?>
 <p:sldLayout xmlns:a="http://schemas.openxmlformats.org/drawingml/2006/main" xmlns:r="http://schemas.openxmlformats.org/officeDocument/2006/relationships" xmlns:p="http://schemas.openxmlformats.org/presentationml/2006/main" type="title" preserve="1">
   <p:cSld name="Title Slide">
@@ -4289,86 +4204,6 @@
       </p:grpSpPr>
       <p:sp>
         <p:nvSpPr>
-          <p:cNvPr id="2" name="Title 1"/>
-          <p:cNvSpPr>
-            <a:spLocks noGrp="1"/>
-          </p:cNvSpPr>
-          <p:nvPr>
-            <p:ph type="ctrTitle"/>
-          </p:nvPr>
-        </p:nvSpPr>
-        <p:spPr/>
-        <p:txBody>
-          <a:bodyPr/>
-          <a:lstStyle/>
-          <a:p>
-            <a:r>
-              <a:rPr lang="en-US"/>
-              <a:t>Week Thirteen</a:t>
-            </a:r>
-            <a:endParaRPr lang="en-US" dirty="0"/>
-          </a:p>
-        </p:txBody>
-      </p:sp>
-      <p:sp>
-        <p:nvSpPr>
-          <p:cNvPr id="3" name="Subtitle 2"/>
-          <p:cNvSpPr>
-            <a:spLocks noGrp="1"/>
-          </p:cNvSpPr>
-          <p:nvPr>
-            <p:ph type="subTitle" idx="1"/>
-          </p:nvPr>
-        </p:nvSpPr>
-        <p:spPr>
-          <a:xfrm>
-            <a:off x="678426" y="4488426"/>
-            <a:ext cx="9501406" cy="1302774"/>
-          </a:xfrm>
-        </p:spPr>
-        <p:txBody>
-          <a:bodyPr/>
-          <a:lstStyle/>
-          <a:p>
-            <a:r>
-              <a:rPr lang="en-US"/>
-              <a:t>Acknowledgements: Slides created based off material provided by Dr. Travis Doom</a:t>
-            </a:r>
-          </a:p>
-        </p:txBody>
-      </p:sp>
-    </p:spTree>
-    <p:extLst>
-      <p:ext uri="{BB962C8B-B14F-4D97-AF65-F5344CB8AC3E}">
-        <p14:creationId xmlns:p14="http://schemas.microsoft.com/office/powerpoint/2010/main" val="109857222"/>
-      </p:ext>
-    </p:extLst>
-  </p:cSld>
-  <p:clrMapOvr>
-    <a:masterClrMapping/>
-  </p:clrMapOvr>
-</p:sld>
-</file>
-
-<file path=ppt/slides/slide2.xml><?xml version="1.0" encoding="utf-8"?>
-<p:sld xmlns:a="http://schemas.openxmlformats.org/drawingml/2006/main" xmlns:r="http://schemas.openxmlformats.org/officeDocument/2006/relationships" xmlns:p="http://schemas.openxmlformats.org/presentationml/2006/main">
-  <p:cSld>
-    <p:spTree>
-      <p:nvGrpSpPr>
-        <p:cNvPr id="1" name=""/>
-        <p:cNvGrpSpPr/>
-        <p:nvPr/>
-      </p:nvGrpSpPr>
-      <p:grpSpPr>
-        <a:xfrm>
-          <a:off x="0" y="0"/>
-          <a:ext cx="0" cy="0"/>
-          <a:chOff x="0" y="0"/>
-          <a:chExt cx="0" cy="0"/>
-        </a:xfrm>
-      </p:grpSpPr>
-      <p:sp>
-        <p:nvSpPr>
           <p:cNvPr id="2" name="Title 1">
             <a:extLst>
               <a:ext uri="{FF2B5EF4-FFF2-40B4-BE49-F238E27FC236}">
@@ -4551,7 +4386,7 @@
           <a:p>
             <a:fld id="{E30AF5A0-43BB-4336-8627-9123B9144D80}" type="slidenum">
               <a:rPr lang="en-US" smtClean="0"/>
-              <a:t>2</a:t>
+              <a:t>1</a:t>
             </a:fld>
             <a:endParaRPr lang="en-US"/>
           </a:p>
@@ -4570,7 +4405,7 @@
 </p:sld>
 </file>
 
-<file path=ppt/slides/slide3.xml><?xml version="1.0" encoding="utf-8"?>
+<file path=ppt/slides/slide2.xml><?xml version="1.0" encoding="utf-8"?>
 <p:sld xmlns:a="http://schemas.openxmlformats.org/drawingml/2006/main" xmlns:r="http://schemas.openxmlformats.org/officeDocument/2006/relationships" xmlns:p="http://schemas.openxmlformats.org/presentationml/2006/main">
   <p:cSld>
     <p:spTree>
@@ -4785,7 +4620,7 @@
           <a:p>
             <a:fld id="{E30AF5A0-43BB-4336-8627-9123B9144D80}" type="slidenum">
               <a:rPr lang="en-US" smtClean="0"/>
-              <a:t>3</a:t>
+              <a:t>2</a:t>
             </a:fld>
             <a:endParaRPr lang="en-US"/>
           </a:p>
@@ -4795,6 +4630,240 @@
     <p:extLst>
       <p:ext uri="{BB962C8B-B14F-4D97-AF65-F5344CB8AC3E}">
         <p14:creationId xmlns:p14="http://schemas.microsoft.com/office/powerpoint/2010/main" val="710517701"/>
+      </p:ext>
+    </p:extLst>
+  </p:cSld>
+  <p:clrMapOvr>
+    <a:masterClrMapping/>
+  </p:clrMapOvr>
+</p:sld>
+</file>
+
+<file path=ppt/slides/slide3.xml><?xml version="1.0" encoding="utf-8"?>
+<p:sld xmlns:a="http://schemas.openxmlformats.org/drawingml/2006/main" xmlns:r="http://schemas.openxmlformats.org/officeDocument/2006/relationships" xmlns:p="http://schemas.openxmlformats.org/presentationml/2006/main">
+  <p:cSld>
+    <p:spTree>
+      <p:nvGrpSpPr>
+        <p:cNvPr id="1" name="">
+          <a:extLst>
+            <a:ext uri="{FF2B5EF4-FFF2-40B4-BE49-F238E27FC236}">
+              <a16:creationId xmlns:a16="http://schemas.microsoft.com/office/drawing/2014/main" id="{196C720A-6F12-0FF2-E33D-B39089248F98}"/>
+            </a:ext>
+          </a:extLst>
+        </p:cNvPr>
+        <p:cNvGrpSpPr/>
+        <p:nvPr/>
+      </p:nvGrpSpPr>
+      <p:grpSpPr>
+        <a:xfrm>
+          <a:off x="0" y="0"/>
+          <a:ext cx="0" cy="0"/>
+          <a:chOff x="0" y="0"/>
+          <a:chExt cx="0" cy="0"/>
+        </a:xfrm>
+      </p:grpSpPr>
+      <p:sp>
+        <p:nvSpPr>
+          <p:cNvPr id="2" name="Title 1">
+            <a:extLst>
+              <a:ext uri="{FF2B5EF4-FFF2-40B4-BE49-F238E27FC236}">
+                <a16:creationId xmlns:a16="http://schemas.microsoft.com/office/drawing/2014/main" id="{470F28C6-CB4A-0788-68CB-954F7020CFD4}"/>
+              </a:ext>
+            </a:extLst>
+          </p:cNvPr>
+          <p:cNvSpPr>
+            <a:spLocks noGrp="1"/>
+          </p:cNvSpPr>
+          <p:nvPr>
+            <p:ph type="title"/>
+          </p:nvPr>
+        </p:nvSpPr>
+        <p:spPr/>
+        <p:txBody>
+          <a:bodyPr/>
+          <a:lstStyle/>
+          <a:p>
+            <a:r>
+              <a:rPr lang="en-US" dirty="0"/>
+              <a:t>Group-02: Restaurant App</a:t>
+            </a:r>
+          </a:p>
+        </p:txBody>
+      </p:sp>
+      <p:sp>
+        <p:nvSpPr>
+          <p:cNvPr id="3" name="Content Placeholder 2">
+            <a:extLst>
+              <a:ext uri="{FF2B5EF4-FFF2-40B4-BE49-F238E27FC236}">
+                <a16:creationId xmlns:a16="http://schemas.microsoft.com/office/drawing/2014/main" id="{5B2859A9-385B-857F-D506-A2E292D3233B}"/>
+              </a:ext>
+            </a:extLst>
+          </p:cNvPr>
+          <p:cNvSpPr>
+            <a:spLocks noGrp="1"/>
+          </p:cNvSpPr>
+          <p:nvPr>
+            <p:ph idx="1"/>
+          </p:nvPr>
+        </p:nvSpPr>
+        <p:spPr/>
+        <p:txBody>
+          <a:bodyPr>
+            <a:normAutofit fontScale="92500" lnSpcReduction="10000"/>
+          </a:bodyPr>
+          <a:lstStyle/>
+          <a:p>
+            <a:r>
+              <a:rPr lang="en-US" dirty="0"/>
+              <a:t>Design an application to simulate a restaurant</a:t>
+            </a:r>
+          </a:p>
+          <a:p>
+            <a:r>
+              <a:rPr lang="en-US" dirty="0"/>
+              <a:t>At a minimum, it should be capable of placing orders and calculating totals</a:t>
+            </a:r>
+          </a:p>
+          <a:p>
+            <a:r>
+              <a:rPr lang="en-US" dirty="0"/>
+              <a:t>May also consider:</a:t>
+            </a:r>
+          </a:p>
+          <a:p>
+            <a:pPr lvl="1"/>
+            <a:r>
+              <a:rPr lang="en-US" dirty="0"/>
+              <a:t>Tracking an order’s status</a:t>
+            </a:r>
+          </a:p>
+          <a:p>
+            <a:pPr lvl="1"/>
+            <a:r>
+              <a:rPr lang="en-US" dirty="0"/>
+              <a:t>Calculating tax and tips</a:t>
+            </a:r>
+          </a:p>
+          <a:p>
+            <a:pPr lvl="1"/>
+            <a:r>
+              <a:rPr lang="en-US" dirty="0"/>
+              <a:t>Supporting a menu</a:t>
+            </a:r>
+          </a:p>
+          <a:p>
+            <a:pPr lvl="1"/>
+            <a:r>
+              <a:rPr lang="en-US" dirty="0"/>
+              <a:t>Get creative!</a:t>
+            </a:r>
+          </a:p>
+          <a:p>
+            <a:r>
+              <a:rPr lang="en-US" dirty="0"/>
+              <a:t>Topics to think about/discuss</a:t>
+            </a:r>
+          </a:p>
+          <a:p>
+            <a:pPr lvl="1"/>
+            <a:r>
+              <a:rPr lang="en-US" dirty="0"/>
+              <a:t>Data structures, class/object, static/non-static, encapsulation, access modifiers, getters/setters, this/super, constructors, inheritance, overload/override, polymorphism, etc.</a:t>
+            </a:r>
+          </a:p>
+        </p:txBody>
+      </p:sp>
+      <p:sp>
+        <p:nvSpPr>
+          <p:cNvPr id="4" name="Date Placeholder 3">
+            <a:extLst>
+              <a:ext uri="{FF2B5EF4-FFF2-40B4-BE49-F238E27FC236}">
+                <a16:creationId xmlns:a16="http://schemas.microsoft.com/office/drawing/2014/main" id="{4983D049-572C-35AE-EAB0-1073B1DB7220}"/>
+              </a:ext>
+            </a:extLst>
+          </p:cNvPr>
+          <p:cNvSpPr>
+            <a:spLocks noGrp="1"/>
+          </p:cNvSpPr>
+          <p:nvPr>
+            <p:ph type="dt" sz="half" idx="10"/>
+          </p:nvPr>
+        </p:nvSpPr>
+        <p:spPr/>
+        <p:txBody>
+          <a:bodyPr/>
+          <a:lstStyle/>
+          <a:p>
+            <a:fld id="{507AE7D1-BC51-45BD-AAE5-3B5A1A32FFB6}" type="datetime1">
+              <a:rPr lang="en-US" smtClean="0"/>
+              <a:t>4/22/2025</a:t>
+            </a:fld>
+            <a:endParaRPr lang="en-US"/>
+          </a:p>
+        </p:txBody>
+      </p:sp>
+      <p:sp>
+        <p:nvSpPr>
+          <p:cNvPr id="5" name="Footer Placeholder 4">
+            <a:extLst>
+              <a:ext uri="{FF2B5EF4-FFF2-40B4-BE49-F238E27FC236}">
+                <a16:creationId xmlns:a16="http://schemas.microsoft.com/office/drawing/2014/main" id="{256B3975-B597-A837-8988-EA6EF3D6F2B4}"/>
+              </a:ext>
+            </a:extLst>
+          </p:cNvPr>
+          <p:cNvSpPr>
+            <a:spLocks noGrp="1"/>
+          </p:cNvSpPr>
+          <p:nvPr>
+            <p:ph type="ftr" sz="quarter" idx="11"/>
+          </p:nvPr>
+        </p:nvSpPr>
+        <p:spPr/>
+        <p:txBody>
+          <a:bodyPr/>
+          <a:lstStyle/>
+          <a:p>
+            <a:r>
+              <a:rPr lang="en-US"/>
+              <a:t>
+              </a:t>
+            </a:r>
+          </a:p>
+        </p:txBody>
+      </p:sp>
+      <p:sp>
+        <p:nvSpPr>
+          <p:cNvPr id="6" name="Slide Number Placeholder 5">
+            <a:extLst>
+              <a:ext uri="{FF2B5EF4-FFF2-40B4-BE49-F238E27FC236}">
+                <a16:creationId xmlns:a16="http://schemas.microsoft.com/office/drawing/2014/main" id="{19D22053-9D9C-DBD0-8E59-80CCDADA6327}"/>
+              </a:ext>
+            </a:extLst>
+          </p:cNvPr>
+          <p:cNvSpPr>
+            <a:spLocks noGrp="1"/>
+          </p:cNvSpPr>
+          <p:nvPr>
+            <p:ph type="sldNum" sz="quarter" idx="12"/>
+          </p:nvPr>
+        </p:nvSpPr>
+        <p:spPr/>
+        <p:txBody>
+          <a:bodyPr/>
+          <a:lstStyle/>
+          <a:p>
+            <a:fld id="{E30AF5A0-43BB-4336-8627-9123B9144D80}" type="slidenum">
+              <a:rPr lang="en-US" smtClean="0"/>
+              <a:t>3</a:t>
+            </a:fld>
+            <a:endParaRPr lang="en-US"/>
+          </a:p>
+        </p:txBody>
+      </p:sp>
+    </p:spTree>
+    <p:extLst>
+      <p:ext uri="{BB962C8B-B14F-4D97-AF65-F5344CB8AC3E}">
+        <p14:creationId xmlns:p14="http://schemas.microsoft.com/office/powerpoint/2010/main" val="2271824945"/>
       </p:ext>
     </p:extLst>
   </p:cSld>
@@ -4826,7 +4895,7 @@
           <p:cNvPr id="2" name="Title 1">
             <a:extLst>
               <a:ext uri="{FF2B5EF4-FFF2-40B4-BE49-F238E27FC236}">
-                <a16:creationId xmlns:a16="http://schemas.microsoft.com/office/drawing/2014/main" id="{13AF140A-EA45-B10E-14A3-EBDD58BF9DEC}"/>
+                <a16:creationId xmlns:a16="http://schemas.microsoft.com/office/drawing/2014/main" id="{B5A528D4-836B-D4E1-EFC5-9FAFF03500A8}"/>
               </a:ext>
             </a:extLst>
           </p:cNvPr>
@@ -4844,7 +4913,7 @@
           <a:p>
             <a:r>
               <a:rPr lang="en-US" dirty="0"/>
-              <a:t>GROUP-02: Library App</a:t>
+              <a:t>Group 3: Virtual Pet Simulator </a:t>
             </a:r>
           </a:p>
         </p:txBody>
@@ -4854,7 +4923,7 @@
           <p:cNvPr id="3" name="Content Placeholder 2">
             <a:extLst>
               <a:ext uri="{FF2B5EF4-FFF2-40B4-BE49-F238E27FC236}">
-                <a16:creationId xmlns:a16="http://schemas.microsoft.com/office/drawing/2014/main" id="{786294C0-B464-60A7-197C-61607EA0CA66}"/>
+                <a16:creationId xmlns:a16="http://schemas.microsoft.com/office/drawing/2014/main" id="{37A67ACD-3E3D-5C03-5B79-F582657BB3A0}"/>
               </a:ext>
             </a:extLst>
           </p:cNvPr>
@@ -4867,20 +4936,18 @@
         </p:nvSpPr>
         <p:spPr/>
         <p:txBody>
-          <a:bodyPr>
-            <a:normAutofit fontScale="92500" lnSpcReduction="10000"/>
-          </a:bodyPr>
-          <a:lstStyle/>
-          <a:p>
-            <a:r>
-              <a:rPr lang="en-US" dirty="0"/>
-              <a:t>Design a library application</a:t>
-            </a:r>
-          </a:p>
-          <a:p>
-            <a:r>
-              <a:rPr lang="en-US" dirty="0"/>
-              <a:t>At a minimum, it should be capable of storing and searching for books</a:t>
+          <a:bodyPr/>
+          <a:lstStyle/>
+          <a:p>
+            <a:r>
+              <a:rPr lang="en-US" dirty="0"/>
+              <a:t>Design an app to adopt and interact with virtual pets, feed them, play with them, etc.</a:t>
+            </a:r>
+          </a:p>
+          <a:p>
+            <a:r>
+              <a:rPr lang="en-US" dirty="0"/>
+              <a:t>At a minimum, app must let user adopt 2 or 3 types of animal (dog, cat, dragon, etc.)</a:t>
             </a:r>
           </a:p>
           <a:p>
@@ -4893,43 +4960,39 @@
             <a:pPr lvl="1"/>
             <a:r>
               <a:rPr lang="en-US" dirty="0"/>
-              <a:t>Tracking library users</a:t>
+              <a:t>Monitor pet health/happiness</a:t>
             </a:r>
           </a:p>
           <a:p>
             <a:pPr lvl="1"/>
             <a:r>
               <a:rPr lang="en-US" dirty="0"/>
-              <a:t>Systems for checking books out and returning books</a:t>
+              <a:t>Train pets over time</a:t>
             </a:r>
           </a:p>
           <a:p>
             <a:pPr lvl="1"/>
             <a:r>
               <a:rPr lang="en-US" dirty="0"/>
-              <a:t>Other media formats</a:t>
+              <a:t>Different pets have different behaviors/needs</a:t>
+            </a:r>
+          </a:p>
+          <a:p>
+            <a:r>
+              <a:rPr lang="en-US" dirty="0"/>
+              <a:t>Topics to think about/discuss</a:t>
             </a:r>
           </a:p>
           <a:p>
             <a:pPr lvl="1"/>
             <a:r>
               <a:rPr lang="en-US" dirty="0"/>
-              <a:t>Get creative!</a:t>
-            </a:r>
-          </a:p>
-          <a:p>
-            <a:r>
-              <a:rPr lang="en-US" dirty="0"/>
-              <a:t>Topics to think about/discuss</a:t>
-            </a:r>
-          </a:p>
-          <a:p>
-            <a:pPr lvl="1"/>
-            <a:r>
-              <a:rPr lang="en-US" dirty="0"/>
               <a:t>Data structures, class/object, static/non-static, encapsulation, access modifiers, getters/setters, this/super, constructors, inheritance, overload/override, polymorphism, etc.</a:t>
             </a:r>
           </a:p>
+          <a:p>
+            <a:endParaRPr lang="en-US" dirty="0"/>
+          </a:p>
         </p:txBody>
       </p:sp>
       <p:sp>
@@ -4937,7 +5000,7 @@
           <p:cNvPr id="4" name="Date Placeholder 3">
             <a:extLst>
               <a:ext uri="{FF2B5EF4-FFF2-40B4-BE49-F238E27FC236}">
-                <a16:creationId xmlns:a16="http://schemas.microsoft.com/office/drawing/2014/main" id="{A74083E1-1E4D-FBB3-4A5C-DBF60FD52048}"/>
+                <a16:creationId xmlns:a16="http://schemas.microsoft.com/office/drawing/2014/main" id="{B2F88319-9B32-C623-04D8-81DE3FB62269}"/>
               </a:ext>
             </a:extLst>
           </p:cNvPr>
@@ -4953,7 +5016,7 @@
           <a:bodyPr/>
           <a:lstStyle/>
           <a:p>
-            <a:fld id="{507AE7D1-BC51-45BD-AAE5-3B5A1A32FFB6}" type="datetime1">
+            <a:fld id="{5F79CB87-6CC1-4E1F-9FFA-ACB4C2A4C169}" type="datetime1">
               <a:rPr lang="en-US" smtClean="0"/>
               <a:t>4/22/2025</a:t>
             </a:fld>
@@ -4966,7 +5029,7 @@
           <p:cNvPr id="5" name="Footer Placeholder 4">
             <a:extLst>
               <a:ext uri="{FF2B5EF4-FFF2-40B4-BE49-F238E27FC236}">
-                <a16:creationId xmlns:a16="http://schemas.microsoft.com/office/drawing/2014/main" id="{5E0862B5-4E22-6679-55FD-5AE48CF9BF29}"/>
+                <a16:creationId xmlns:a16="http://schemas.microsoft.com/office/drawing/2014/main" id="{99472FC1-D44A-C022-8DB3-CE91435287D9}"/>
               </a:ext>
             </a:extLst>
           </p:cNvPr>
@@ -4995,7 +5058,7 @@
           <p:cNvPr id="6" name="Slide Number Placeholder 5">
             <a:extLst>
               <a:ext uri="{FF2B5EF4-FFF2-40B4-BE49-F238E27FC236}">
-                <a16:creationId xmlns:a16="http://schemas.microsoft.com/office/drawing/2014/main" id="{33B93530-C594-39D6-6D4C-C3082E710A2B}"/>
+                <a16:creationId xmlns:a16="http://schemas.microsoft.com/office/drawing/2014/main" id="{CD729853-D13C-7A21-8E51-C53369600BB3}"/>
               </a:ext>
             </a:extLst>
           </p:cNvPr>
@@ -5022,7 +5085,7 @@
     </p:spTree>
     <p:extLst>
       <p:ext uri="{BB962C8B-B14F-4D97-AF65-F5344CB8AC3E}">
-        <p14:creationId xmlns:p14="http://schemas.microsoft.com/office/powerpoint/2010/main" val="917773870"/>
+        <p14:creationId xmlns:p14="http://schemas.microsoft.com/office/powerpoint/2010/main" val="2589931982"/>
       </p:ext>
     </p:extLst>
   </p:cSld>
@@ -5037,13 +5100,7 @@
   <p:cSld>
     <p:spTree>
       <p:nvGrpSpPr>
-        <p:cNvPr id="1" name="">
-          <a:extLst>
-            <a:ext uri="{FF2B5EF4-FFF2-40B4-BE49-F238E27FC236}">
-              <a16:creationId xmlns:a16="http://schemas.microsoft.com/office/drawing/2014/main" id="{196C720A-6F12-0FF2-E33D-B39089248F98}"/>
-            </a:ext>
-          </a:extLst>
-        </p:cNvPr>
+        <p:cNvPr id="1" name=""/>
         <p:cNvGrpSpPr/>
         <p:nvPr/>
       </p:nvGrpSpPr>
@@ -5060,7 +5117,7 @@
           <p:cNvPr id="2" name="Title 1">
             <a:extLst>
               <a:ext uri="{FF2B5EF4-FFF2-40B4-BE49-F238E27FC236}">
-                <a16:creationId xmlns:a16="http://schemas.microsoft.com/office/drawing/2014/main" id="{470F28C6-CB4A-0788-68CB-954F7020CFD4}"/>
+                <a16:creationId xmlns:a16="http://schemas.microsoft.com/office/drawing/2014/main" id="{13AF140A-EA45-B10E-14A3-EBDD58BF9DEC}"/>
               </a:ext>
             </a:extLst>
           </p:cNvPr>
@@ -5078,7 +5135,7 @@
           <a:p>
             <a:r>
               <a:rPr lang="en-US" dirty="0"/>
-              <a:t>Group-03: Restaurant App</a:t>
+              <a:t>GROUP-05: Library App</a:t>
             </a:r>
           </a:p>
         </p:txBody>
@@ -5088,7 +5145,7 @@
           <p:cNvPr id="3" name="Content Placeholder 2">
             <a:extLst>
               <a:ext uri="{FF2B5EF4-FFF2-40B4-BE49-F238E27FC236}">
-                <a16:creationId xmlns:a16="http://schemas.microsoft.com/office/drawing/2014/main" id="{5B2859A9-385B-857F-D506-A2E292D3233B}"/>
+                <a16:creationId xmlns:a16="http://schemas.microsoft.com/office/drawing/2014/main" id="{786294C0-B464-60A7-197C-61607EA0CA66}"/>
               </a:ext>
             </a:extLst>
           </p:cNvPr>
@@ -5108,13 +5165,13 @@
           <a:p>
             <a:r>
               <a:rPr lang="en-US" dirty="0"/>
-              <a:t>Design an application to simulate a restaurant</a:t>
-            </a:r>
-          </a:p>
-          <a:p>
-            <a:r>
-              <a:rPr lang="en-US" dirty="0"/>
-              <a:t>At a minimum, it should be capable of placing orders and calculating totals</a:t>
+              <a:t>Design a library application</a:t>
+            </a:r>
+          </a:p>
+          <a:p>
+            <a:r>
+              <a:rPr lang="en-US" dirty="0"/>
+              <a:t>At a minimum, it should be capable of storing and searching for books</a:t>
             </a:r>
           </a:p>
           <a:p>
@@ -5127,21 +5184,21 @@
             <a:pPr lvl="1"/>
             <a:r>
               <a:rPr lang="en-US" dirty="0"/>
-              <a:t>Tracking an order’s status</a:t>
+              <a:t>Tracking library users</a:t>
             </a:r>
           </a:p>
           <a:p>
             <a:pPr lvl="1"/>
             <a:r>
               <a:rPr lang="en-US" dirty="0"/>
-              <a:t>Calculating tax and tips</a:t>
+              <a:t>Systems for checking books out and returning books</a:t>
             </a:r>
           </a:p>
           <a:p>
             <a:pPr lvl="1"/>
             <a:r>
               <a:rPr lang="en-US" dirty="0"/>
-              <a:t>Supporting a menu</a:t>
+              <a:t>Other media formats</a:t>
             </a:r>
           </a:p>
           <a:p>
@@ -5171,7 +5228,7 @@
           <p:cNvPr id="4" name="Date Placeholder 3">
             <a:extLst>
               <a:ext uri="{FF2B5EF4-FFF2-40B4-BE49-F238E27FC236}">
-                <a16:creationId xmlns:a16="http://schemas.microsoft.com/office/drawing/2014/main" id="{4983D049-572C-35AE-EAB0-1073B1DB7220}"/>
+                <a16:creationId xmlns:a16="http://schemas.microsoft.com/office/drawing/2014/main" id="{A74083E1-1E4D-FBB3-4A5C-DBF60FD52048}"/>
               </a:ext>
             </a:extLst>
           </p:cNvPr>
@@ -5200,7 +5257,7 @@
           <p:cNvPr id="5" name="Footer Placeholder 4">
             <a:extLst>
               <a:ext uri="{FF2B5EF4-FFF2-40B4-BE49-F238E27FC236}">
-                <a16:creationId xmlns:a16="http://schemas.microsoft.com/office/drawing/2014/main" id="{256B3975-B597-A837-8988-EA6EF3D6F2B4}"/>
+                <a16:creationId xmlns:a16="http://schemas.microsoft.com/office/drawing/2014/main" id="{5E0862B5-4E22-6679-55FD-5AE48CF9BF29}"/>
               </a:ext>
             </a:extLst>
           </p:cNvPr>
@@ -5229,7 +5286,7 @@
           <p:cNvPr id="6" name="Slide Number Placeholder 5">
             <a:extLst>
               <a:ext uri="{FF2B5EF4-FFF2-40B4-BE49-F238E27FC236}">
-                <a16:creationId xmlns:a16="http://schemas.microsoft.com/office/drawing/2014/main" id="{19D22053-9D9C-DBD0-8E59-80CCDADA6327}"/>
+                <a16:creationId xmlns:a16="http://schemas.microsoft.com/office/drawing/2014/main" id="{33B93530-C594-39D6-6D4C-C3082E710A2B}"/>
               </a:ext>
             </a:extLst>
           </p:cNvPr>
@@ -5256,7 +5313,7 @@
     </p:spTree>
     <p:extLst>
       <p:ext uri="{BB962C8B-B14F-4D97-AF65-F5344CB8AC3E}">
-        <p14:creationId xmlns:p14="http://schemas.microsoft.com/office/powerpoint/2010/main" val="2271824945"/>
+        <p14:creationId xmlns:p14="http://schemas.microsoft.com/office/powerpoint/2010/main" val="917773870"/>
       </p:ext>
     </p:extLst>
   </p:cSld>
@@ -5312,7 +5369,7 @@
           <a:p>
             <a:r>
               <a:rPr lang="en-US" dirty="0"/>
-              <a:t>Group-04: Music Streaming App</a:t>
+              <a:t>Group-: Music Streaming App</a:t>
             </a:r>
           </a:p>
         </p:txBody>
@@ -5540,7 +5597,7 @@
           <a:p>
             <a:r>
               <a:rPr lang="en-US" dirty="0"/>
-              <a:t>Group 5: Smart Home Automation App</a:t>
+              <a:t>Group : Smart Home Automation App</a:t>
             </a:r>
           </a:p>
         </p:txBody>
@@ -5716,228 +5773,6 @@
     <p:extLst>
       <p:ext uri="{BB962C8B-B14F-4D97-AF65-F5344CB8AC3E}">
         <p14:creationId xmlns:p14="http://schemas.microsoft.com/office/powerpoint/2010/main" val="1878798891"/>
-      </p:ext>
-    </p:extLst>
-  </p:cSld>
-  <p:clrMapOvr>
-    <a:masterClrMapping/>
-  </p:clrMapOvr>
-</p:sld>
-</file>
-
-<file path=ppt/slides/slide8.xml><?xml version="1.0" encoding="utf-8"?>
-<p:sld xmlns:a="http://schemas.openxmlformats.org/drawingml/2006/main" xmlns:r="http://schemas.openxmlformats.org/officeDocument/2006/relationships" xmlns:p="http://schemas.openxmlformats.org/presentationml/2006/main">
-  <p:cSld>
-    <p:spTree>
-      <p:nvGrpSpPr>
-        <p:cNvPr id="1" name=""/>
-        <p:cNvGrpSpPr/>
-        <p:nvPr/>
-      </p:nvGrpSpPr>
-      <p:grpSpPr>
-        <a:xfrm>
-          <a:off x="0" y="0"/>
-          <a:ext cx="0" cy="0"/>
-          <a:chOff x="0" y="0"/>
-          <a:chExt cx="0" cy="0"/>
-        </a:xfrm>
-      </p:grpSpPr>
-      <p:sp>
-        <p:nvSpPr>
-          <p:cNvPr id="2" name="Title 1">
-            <a:extLst>
-              <a:ext uri="{FF2B5EF4-FFF2-40B4-BE49-F238E27FC236}">
-                <a16:creationId xmlns:a16="http://schemas.microsoft.com/office/drawing/2014/main" id="{B5A528D4-836B-D4E1-EFC5-9FAFF03500A8}"/>
-              </a:ext>
-            </a:extLst>
-          </p:cNvPr>
-          <p:cNvSpPr>
-            <a:spLocks noGrp="1"/>
-          </p:cNvSpPr>
-          <p:nvPr>
-            <p:ph type="title"/>
-          </p:nvPr>
-        </p:nvSpPr>
-        <p:spPr/>
-        <p:txBody>
-          <a:bodyPr/>
-          <a:lstStyle/>
-          <a:p>
-            <a:r>
-              <a:rPr lang="en-US" dirty="0"/>
-              <a:t>Group 6: Virtual Pet Simulator </a:t>
-            </a:r>
-          </a:p>
-        </p:txBody>
-      </p:sp>
-      <p:sp>
-        <p:nvSpPr>
-          <p:cNvPr id="3" name="Content Placeholder 2">
-            <a:extLst>
-              <a:ext uri="{FF2B5EF4-FFF2-40B4-BE49-F238E27FC236}">
-                <a16:creationId xmlns:a16="http://schemas.microsoft.com/office/drawing/2014/main" id="{37A67ACD-3E3D-5C03-5B79-F582657BB3A0}"/>
-              </a:ext>
-            </a:extLst>
-          </p:cNvPr>
-          <p:cNvSpPr>
-            <a:spLocks noGrp="1"/>
-          </p:cNvSpPr>
-          <p:nvPr>
-            <p:ph idx="1"/>
-          </p:nvPr>
-        </p:nvSpPr>
-        <p:spPr/>
-        <p:txBody>
-          <a:bodyPr/>
-          <a:lstStyle/>
-          <a:p>
-            <a:r>
-              <a:rPr lang="en-US" dirty="0"/>
-              <a:t>Design an app to adopt and interact with virtual pets, feed them, play with them, etc.</a:t>
-            </a:r>
-          </a:p>
-          <a:p>
-            <a:r>
-              <a:rPr lang="en-US" dirty="0"/>
-              <a:t>At a minimum, app must let user adopt 2 or 3 types of animal (dog, cat, dragon, etc.)</a:t>
-            </a:r>
-          </a:p>
-          <a:p>
-            <a:r>
-              <a:rPr lang="en-US" dirty="0"/>
-              <a:t>May also consider:</a:t>
-            </a:r>
-          </a:p>
-          <a:p>
-            <a:pPr lvl="1"/>
-            <a:r>
-              <a:rPr lang="en-US" dirty="0"/>
-              <a:t>Monitor pet health/happiness</a:t>
-            </a:r>
-          </a:p>
-          <a:p>
-            <a:pPr lvl="1"/>
-            <a:r>
-              <a:rPr lang="en-US" dirty="0"/>
-              <a:t>Train pets over time</a:t>
-            </a:r>
-          </a:p>
-          <a:p>
-            <a:pPr lvl="1"/>
-            <a:r>
-              <a:rPr lang="en-US" dirty="0"/>
-              <a:t>Different pets have different behaviors/needs</a:t>
-            </a:r>
-          </a:p>
-          <a:p>
-            <a:r>
-              <a:rPr lang="en-US" dirty="0"/>
-              <a:t>Topics to think about/discuss</a:t>
-            </a:r>
-          </a:p>
-          <a:p>
-            <a:pPr lvl="1"/>
-            <a:r>
-              <a:rPr lang="en-US" dirty="0"/>
-              <a:t>Data structures, class/object, static/non-static, encapsulation, access modifiers, getters/setters, this/super, constructors, inheritance, overload/override, polymorphism, etc.</a:t>
-            </a:r>
-          </a:p>
-          <a:p>
-            <a:endParaRPr lang="en-US" dirty="0"/>
-          </a:p>
-        </p:txBody>
-      </p:sp>
-      <p:sp>
-        <p:nvSpPr>
-          <p:cNvPr id="4" name="Date Placeholder 3">
-            <a:extLst>
-              <a:ext uri="{FF2B5EF4-FFF2-40B4-BE49-F238E27FC236}">
-                <a16:creationId xmlns:a16="http://schemas.microsoft.com/office/drawing/2014/main" id="{B2F88319-9B32-C623-04D8-81DE3FB62269}"/>
-              </a:ext>
-            </a:extLst>
-          </p:cNvPr>
-          <p:cNvSpPr>
-            <a:spLocks noGrp="1"/>
-          </p:cNvSpPr>
-          <p:nvPr>
-            <p:ph type="dt" sz="half" idx="10"/>
-          </p:nvPr>
-        </p:nvSpPr>
-        <p:spPr/>
-        <p:txBody>
-          <a:bodyPr/>
-          <a:lstStyle/>
-          <a:p>
-            <a:fld id="{5F79CB87-6CC1-4E1F-9FFA-ACB4C2A4C169}" type="datetime1">
-              <a:rPr lang="en-US" smtClean="0"/>
-              <a:t>4/22/2025</a:t>
-            </a:fld>
-            <a:endParaRPr lang="en-US"/>
-          </a:p>
-        </p:txBody>
-      </p:sp>
-      <p:sp>
-        <p:nvSpPr>
-          <p:cNvPr id="5" name="Footer Placeholder 4">
-            <a:extLst>
-              <a:ext uri="{FF2B5EF4-FFF2-40B4-BE49-F238E27FC236}">
-                <a16:creationId xmlns:a16="http://schemas.microsoft.com/office/drawing/2014/main" id="{99472FC1-D44A-C022-8DB3-CE91435287D9}"/>
-              </a:ext>
-            </a:extLst>
-          </p:cNvPr>
-          <p:cNvSpPr>
-            <a:spLocks noGrp="1"/>
-          </p:cNvSpPr>
-          <p:nvPr>
-            <p:ph type="ftr" sz="quarter" idx="11"/>
-          </p:nvPr>
-        </p:nvSpPr>
-        <p:spPr/>
-        <p:txBody>
-          <a:bodyPr/>
-          <a:lstStyle/>
-          <a:p>
-            <a:r>
-              <a:rPr lang="en-US"/>
-              <a:t>
-              </a:t>
-            </a:r>
-          </a:p>
-        </p:txBody>
-      </p:sp>
-      <p:sp>
-        <p:nvSpPr>
-          <p:cNvPr id="6" name="Slide Number Placeholder 5">
-            <a:extLst>
-              <a:ext uri="{FF2B5EF4-FFF2-40B4-BE49-F238E27FC236}">
-                <a16:creationId xmlns:a16="http://schemas.microsoft.com/office/drawing/2014/main" id="{CD729853-D13C-7A21-8E51-C53369600BB3}"/>
-              </a:ext>
-            </a:extLst>
-          </p:cNvPr>
-          <p:cNvSpPr>
-            <a:spLocks noGrp="1"/>
-          </p:cNvSpPr>
-          <p:nvPr>
-            <p:ph type="sldNum" sz="quarter" idx="12"/>
-          </p:nvPr>
-        </p:nvSpPr>
-        <p:spPr/>
-        <p:txBody>
-          <a:bodyPr/>
-          <a:lstStyle/>
-          <a:p>
-            <a:fld id="{E30AF5A0-43BB-4336-8627-9123B9144D80}" type="slidenum">
-              <a:rPr lang="en-US" smtClean="0"/>
-              <a:t>8</a:t>
-            </a:fld>
-            <a:endParaRPr lang="en-US"/>
-          </a:p>
-        </p:txBody>
-      </p:sp>
-    </p:spTree>
-    <p:extLst>
-      <p:ext uri="{BB962C8B-B14F-4D97-AF65-F5344CB8AC3E}">
-        <p14:creationId xmlns:p14="http://schemas.microsoft.com/office/powerpoint/2010/main" val="2589931982"/>
       </p:ext>
     </p:extLst>
   </p:cSld>
@@ -6464,11 +6299,12 @@
 </file>
 
 <file path=customXml/item1.xml><?xml version="1.0" encoding="utf-8"?>
-<p:properties xmlns:p="http://schemas.microsoft.com/office/2006/metadata/properties" xmlns:xsi="http://www.w3.org/2001/XMLSchema-instance" xmlns:pc="http://schemas.microsoft.com/office/infopath/2007/PartnerControls">
-  <documentManagement>
-    <_activity xmlns="3e13eb9f-8ca8-414a-9a42-59bdf4246565" xsi:nil="true"/>
-  </documentManagement>
-</p:properties>
+<?mso-contentType ?>
+<FormTemplates xmlns="http://schemas.microsoft.com/sharepoint/v3/contenttype/forms">
+  <Display>DocumentLibraryForm</Display>
+  <Edit>DocumentLibraryForm</Edit>
+  <New>DocumentLibraryForm</New>
+</FormTemplates>
 </file>
 
 <file path=customXml/item2.xml><?xml version="1.0" encoding="utf-8"?>
@@ -6719,27 +6555,17 @@
 </file>
 
 <file path=customXml/item3.xml><?xml version="1.0" encoding="utf-8"?>
-<?mso-contentType ?>
-<FormTemplates xmlns="http://schemas.microsoft.com/sharepoint/v3/contenttype/forms">
-  <Display>DocumentLibraryForm</Display>
-  <Edit>DocumentLibraryForm</Edit>
-  <New>DocumentLibraryForm</New>
-</FormTemplates>
+<p:properties xmlns:p="http://schemas.microsoft.com/office/2006/metadata/properties" xmlns:xsi="http://www.w3.org/2001/XMLSchema-instance" xmlns:pc="http://schemas.microsoft.com/office/infopath/2007/PartnerControls">
+  <documentManagement>
+    <_activity xmlns="3e13eb9f-8ca8-414a-9a42-59bdf4246565" xsi:nil="true"/>
+  </documentManagement>
+</p:properties>
 </file>
 
 <file path=customXml/itemProps1.xml><?xml version="1.0" encoding="utf-8"?>
-<ds:datastoreItem xmlns:ds="http://schemas.openxmlformats.org/officeDocument/2006/customXml" ds:itemID="{FE0E9BFF-B837-49F3-98F8-005E62A22D5A}">
+<ds:datastoreItem xmlns:ds="http://schemas.openxmlformats.org/officeDocument/2006/customXml" ds:itemID="{A6DD1C60-5ED5-4039-8E34-D64DC6C562D7}">
   <ds:schemaRefs>
-    <ds:schemaRef ds:uri="http://schemas.microsoft.com/office/2006/documentManagement/types"/>
-    <ds:schemaRef ds:uri="http://purl.org/dc/dcmitype/"/>
-    <ds:schemaRef ds:uri="http://purl.org/dc/elements/1.1/"/>
-    <ds:schemaRef ds:uri="8797bc0a-8f9c-4206-a352-9087f581073f"/>
-    <ds:schemaRef ds:uri="http://purl.org/dc/terms/"/>
-    <ds:schemaRef ds:uri="http://schemas.microsoft.com/office/2006/metadata/properties"/>
-    <ds:schemaRef ds:uri="http://schemas.microsoft.com/office/infopath/2007/PartnerControls"/>
-    <ds:schemaRef ds:uri="http://schemas.openxmlformats.org/package/2006/metadata/core-properties"/>
-    <ds:schemaRef ds:uri="3e13eb9f-8ca8-414a-9a42-59bdf4246565"/>
-    <ds:schemaRef ds:uri="http://www.w3.org/XML/1998/namespace"/>
+    <ds:schemaRef ds:uri="http://schemas.microsoft.com/sharepoint/v3/contenttype/forms"/>
   </ds:schemaRefs>
 </ds:datastoreItem>
 </file>
@@ -6764,9 +6590,18 @@
 </file>
 
 <file path=customXml/itemProps3.xml><?xml version="1.0" encoding="utf-8"?>
-<ds:datastoreItem xmlns:ds="http://schemas.openxmlformats.org/officeDocument/2006/customXml" ds:itemID="{A6DD1C60-5ED5-4039-8E34-D64DC6C562D7}">
+<ds:datastoreItem xmlns:ds="http://schemas.openxmlformats.org/officeDocument/2006/customXml" ds:itemID="{FE0E9BFF-B837-49F3-98F8-005E62A22D5A}">
   <ds:schemaRefs>
-    <ds:schemaRef ds:uri="http://schemas.microsoft.com/sharepoint/v3/contenttype/forms"/>
+    <ds:schemaRef ds:uri="http://schemas.microsoft.com/office/2006/documentManagement/types"/>
+    <ds:schemaRef ds:uri="http://purl.org/dc/dcmitype/"/>
+    <ds:schemaRef ds:uri="http://purl.org/dc/elements/1.1/"/>
+    <ds:schemaRef ds:uri="8797bc0a-8f9c-4206-a352-9087f581073f"/>
+    <ds:schemaRef ds:uri="http://purl.org/dc/terms/"/>
+    <ds:schemaRef ds:uri="http://schemas.microsoft.com/office/2006/metadata/properties"/>
+    <ds:schemaRef ds:uri="http://schemas.microsoft.com/office/infopath/2007/PartnerControls"/>
+    <ds:schemaRef ds:uri="http://schemas.openxmlformats.org/package/2006/metadata/core-properties"/>
+    <ds:schemaRef ds:uri="3e13eb9f-8ca8-414a-9a42-59bdf4246565"/>
+    <ds:schemaRef ds:uri="http://www.w3.org/XML/1998/namespace"/>
   </ds:schemaRefs>
 </ds:datastoreItem>
 </file>